--- a/sample.pptx
+++ b/sample.pptx
@@ -6,6 +6,7 @@
   </p:sldMasterIdLst>
   <p:sldIdLst>
     <p:sldId id="256" r:id="rId2"/>
+    <p:sldId id="257" r:id="rId3"/>
   </p:sldIdLst>
   <p:sldSz cx="12192000" cy="6858000"/>
   <p:notesSz cx="6858000" cy="9144000"/>
@@ -112,12 +113,57 @@
 </p:presentation>
 </file>
 
-<file path=ppt/revisionInfo.xml><?xml version="1.0" encoding="utf-8"?>
-<p1510:revInfo xmlns:a="http://schemas.openxmlformats.org/drawingml/2006/main" xmlns:r="http://schemas.openxmlformats.org/officeDocument/2006/relationships" xmlns:p1510="http://schemas.microsoft.com/office/powerpoint/2015/10/main">
-  <p1510:revLst>
-    <p1510:client id="{62171235-3A89-424B-B72D-AD505FF4D5BD}" v="19" dt="2023-07-11T17:45:20.345"/>
-  </p1510:revLst>
-</p1510:revInfo>
+<file path=ppt/changesInfos/changesInfo1.xml><?xml version="1.0" encoding="utf-8"?>
+<pc:chgInfo xmlns:a="http://schemas.openxmlformats.org/drawingml/2006/main" xmlns:r="http://schemas.openxmlformats.org/officeDocument/2006/relationships" xmlns:ac="http://schemas.microsoft.com/office/drawing/2013/main/command" xmlns:pc="http://schemas.microsoft.com/office/powerpoint/2013/main/command">
+  <pc:docChgLst>
+    <pc:chgData name="Furkat Ethan" userId="5787cb7c18f64917" providerId="LiveId" clId="{279790C1-3933-4C85-B968-F9924996FB09}"/>
+    <pc:docChg chg="custSel addSld modSld">
+      <pc:chgData name="Furkat Ethan" userId="5787cb7c18f64917" providerId="LiveId" clId="{279790C1-3933-4C85-B968-F9924996FB09}" dt="2023-07-20T16:07:52.180" v="12" actId="1076"/>
+      <pc:docMkLst>
+        <pc:docMk/>
+      </pc:docMkLst>
+      <pc:sldChg chg="addSp delSp modSp new mod">
+        <pc:chgData name="Furkat Ethan" userId="5787cb7c18f64917" providerId="LiveId" clId="{279790C1-3933-4C85-B968-F9924996FB09}" dt="2023-07-20T16:07:52.180" v="12" actId="1076"/>
+        <pc:sldMkLst>
+          <pc:docMk/>
+          <pc:sldMk cId="3921043042" sldId="257"/>
+        </pc:sldMkLst>
+        <pc:spChg chg="del">
+          <ac:chgData name="Furkat Ethan" userId="5787cb7c18f64917" providerId="LiveId" clId="{279790C1-3933-4C85-B968-F9924996FB09}" dt="2023-07-20T16:07:29.200" v="1" actId="478"/>
+          <ac:spMkLst>
+            <pc:docMk/>
+            <pc:sldMk cId="3921043042" sldId="257"/>
+            <ac:spMk id="2" creationId="{BD44D684-B211-7A75-2B0D-B7771A0DAD46}"/>
+          </ac:spMkLst>
+        </pc:spChg>
+        <pc:spChg chg="del">
+          <ac:chgData name="Furkat Ethan" userId="5787cb7c18f64917" providerId="LiveId" clId="{279790C1-3933-4C85-B968-F9924996FB09}" dt="2023-07-20T16:07:29.200" v="1" actId="478"/>
+          <ac:spMkLst>
+            <pc:docMk/>
+            <pc:sldMk cId="3921043042" sldId="257"/>
+            <ac:spMk id="3" creationId="{C39B73F2-D59D-FC5A-DF01-41B0FD3C1CBC}"/>
+          </ac:spMkLst>
+        </pc:spChg>
+        <pc:picChg chg="add mod">
+          <ac:chgData name="Furkat Ethan" userId="5787cb7c18f64917" providerId="LiveId" clId="{279790C1-3933-4C85-B968-F9924996FB09}" dt="2023-07-20T16:07:52.180" v="12" actId="1076"/>
+          <ac:picMkLst>
+            <pc:docMk/>
+            <pc:sldMk cId="3921043042" sldId="257"/>
+            <ac:picMk id="5" creationId="{D2E7BAB8-44E6-4B0D-033D-F7768A672097}"/>
+          </ac:picMkLst>
+        </pc:picChg>
+        <pc:picChg chg="add mod">
+          <ac:chgData name="Furkat Ethan" userId="5787cb7c18f64917" providerId="LiveId" clId="{279790C1-3933-4C85-B968-F9924996FB09}" dt="2023-07-20T16:07:51.711" v="11" actId="1076"/>
+          <ac:picMkLst>
+            <pc:docMk/>
+            <pc:sldMk cId="3921043042" sldId="257"/>
+            <ac:picMk id="7" creationId="{9F012CB9-7020-1C5F-D7E7-90E1B350B6F8}"/>
+          </ac:picMkLst>
+        </pc:picChg>
+      </pc:sldChg>
+    </pc:docChg>
+  </pc:docChgLst>
+</pc:chgInfo>
 </file>
 
 <file path=ppt/slideLayouts/slideLayout1.xml><?xml version="1.0" encoding="utf-8"?>
@@ -249,7 +295,7 @@
           <a:p>
             <a:fld id="{0E02A643-9BB0-4E02-80B2-2C0A5E5D738E}" type="datetimeFigureOut">
               <a:rPr kumimoji="1" lang="ja-JP" altLang="en-US" smtClean="0"/>
-              <a:t>2023/7/11</a:t>
+              <a:t>2023/7/21</a:t>
             </a:fld>
             <a:endParaRPr kumimoji="1" lang="ja-JP" altLang="en-US"/>
           </a:p>
@@ -449,7 +495,7 @@
           <a:p>
             <a:fld id="{0E02A643-9BB0-4E02-80B2-2C0A5E5D738E}" type="datetimeFigureOut">
               <a:rPr kumimoji="1" lang="ja-JP" altLang="en-US" smtClean="0"/>
-              <a:t>2023/7/11</a:t>
+              <a:t>2023/7/21</a:t>
             </a:fld>
             <a:endParaRPr kumimoji="1" lang="ja-JP" altLang="en-US"/>
           </a:p>
@@ -659,7 +705,7 @@
           <a:p>
             <a:fld id="{0E02A643-9BB0-4E02-80B2-2C0A5E5D738E}" type="datetimeFigureOut">
               <a:rPr kumimoji="1" lang="ja-JP" altLang="en-US" smtClean="0"/>
-              <a:t>2023/7/11</a:t>
+              <a:t>2023/7/21</a:t>
             </a:fld>
             <a:endParaRPr kumimoji="1" lang="ja-JP" altLang="en-US"/>
           </a:p>
@@ -859,7 +905,7 @@
           <a:p>
             <a:fld id="{0E02A643-9BB0-4E02-80B2-2C0A5E5D738E}" type="datetimeFigureOut">
               <a:rPr kumimoji="1" lang="ja-JP" altLang="en-US" smtClean="0"/>
-              <a:t>2023/7/11</a:t>
+              <a:t>2023/7/21</a:t>
             </a:fld>
             <a:endParaRPr kumimoji="1" lang="ja-JP" altLang="en-US"/>
           </a:p>
@@ -1104,7 +1150,7 @@
           <a:p>
             <a:fld id="{0E02A643-9BB0-4E02-80B2-2C0A5E5D738E}" type="datetimeFigureOut">
               <a:rPr kumimoji="1" lang="ja-JP" altLang="en-US" smtClean="0"/>
-              <a:t>2023/7/11</a:t>
+              <a:t>2023/7/21</a:t>
             </a:fld>
             <a:endParaRPr kumimoji="1" lang="ja-JP" altLang="en-US"/>
           </a:p>
@@ -1397,7 +1443,7 @@
           <a:p>
             <a:fld id="{0E02A643-9BB0-4E02-80B2-2C0A5E5D738E}" type="datetimeFigureOut">
               <a:rPr kumimoji="1" lang="ja-JP" altLang="en-US" smtClean="0"/>
-              <a:t>2023/7/11</a:t>
+              <a:t>2023/7/21</a:t>
             </a:fld>
             <a:endParaRPr kumimoji="1" lang="ja-JP" altLang="en-US"/>
           </a:p>
@@ -1825,7 +1871,7 @@
           <a:p>
             <a:fld id="{0E02A643-9BB0-4E02-80B2-2C0A5E5D738E}" type="datetimeFigureOut">
               <a:rPr kumimoji="1" lang="ja-JP" altLang="en-US" smtClean="0"/>
-              <a:t>2023/7/11</a:t>
+              <a:t>2023/7/21</a:t>
             </a:fld>
             <a:endParaRPr kumimoji="1" lang="ja-JP" altLang="en-US"/>
           </a:p>
@@ -1942,7 +1988,7 @@
           <a:p>
             <a:fld id="{0E02A643-9BB0-4E02-80B2-2C0A5E5D738E}" type="datetimeFigureOut">
               <a:rPr kumimoji="1" lang="ja-JP" altLang="en-US" smtClean="0"/>
-              <a:t>2023/7/11</a:t>
+              <a:t>2023/7/21</a:t>
             </a:fld>
             <a:endParaRPr kumimoji="1" lang="ja-JP" altLang="en-US"/>
           </a:p>
@@ -2037,7 +2083,7 @@
           <a:p>
             <a:fld id="{0E02A643-9BB0-4E02-80B2-2C0A5E5D738E}" type="datetimeFigureOut">
               <a:rPr kumimoji="1" lang="ja-JP" altLang="en-US" smtClean="0"/>
-              <a:t>2023/7/11</a:t>
+              <a:t>2023/7/21</a:t>
             </a:fld>
             <a:endParaRPr kumimoji="1" lang="ja-JP" altLang="en-US"/>
           </a:p>
@@ -2344,7 +2390,7 @@
           <a:p>
             <a:fld id="{0E02A643-9BB0-4E02-80B2-2C0A5E5D738E}" type="datetimeFigureOut">
               <a:rPr kumimoji="1" lang="ja-JP" altLang="en-US" smtClean="0"/>
-              <a:t>2023/7/11</a:t>
+              <a:t>2023/7/21</a:t>
             </a:fld>
             <a:endParaRPr kumimoji="1" lang="ja-JP" altLang="en-US"/>
           </a:p>
@@ -2596,7 +2642,7 @@
           <a:p>
             <a:fld id="{0E02A643-9BB0-4E02-80B2-2C0A5E5D738E}" type="datetimeFigureOut">
               <a:rPr kumimoji="1" lang="ja-JP" altLang="en-US" smtClean="0"/>
-              <a:t>2023/7/11</a:t>
+              <a:t>2023/7/21</a:t>
             </a:fld>
             <a:endParaRPr kumimoji="1" lang="ja-JP" altLang="en-US"/>
           </a:p>
@@ -2839,7 +2885,7 @@
           <a:p>
             <a:fld id="{0E02A643-9BB0-4E02-80B2-2C0A5E5D738E}" type="datetimeFigureOut">
               <a:rPr kumimoji="1" lang="ja-JP" altLang="en-US" smtClean="0"/>
-              <a:t>2023/7/11</a:t>
+              <a:t>2023/7/21</a:t>
             </a:fld>
             <a:endParaRPr kumimoji="1" lang="ja-JP" altLang="en-US"/>
           </a:p>
@@ -3317,6 +3363,96 @@
 </p:sld>
 </file>
 
+<file path=ppt/slides/slide2.xml><?xml version="1.0" encoding="utf-8"?>
+<p:sld xmlns:a="http://schemas.openxmlformats.org/drawingml/2006/main" xmlns:r="http://schemas.openxmlformats.org/officeDocument/2006/relationships" xmlns:p="http://schemas.openxmlformats.org/presentationml/2006/main">
+  <p:cSld>
+    <p:spTree>
+      <p:nvGrpSpPr>
+        <p:cNvPr id="1" name=""/>
+        <p:cNvGrpSpPr/>
+        <p:nvPr/>
+      </p:nvGrpSpPr>
+      <p:grpSpPr>
+        <a:xfrm>
+          <a:off x="0" y="0"/>
+          <a:ext cx="0" cy="0"/>
+          <a:chOff x="0" y="0"/>
+          <a:chExt cx="0" cy="0"/>
+        </a:xfrm>
+      </p:grpSpPr>
+      <p:pic>
+        <p:nvPicPr>
+          <p:cNvPr id="5" name="図 4">
+            <a:extLst>
+              <a:ext uri="{FF2B5EF4-FFF2-40B4-BE49-F238E27FC236}">
+                <a16:creationId xmlns:a16="http://schemas.microsoft.com/office/drawing/2014/main" id="{D2E7BAB8-44E6-4B0D-033D-F7768A672097}"/>
+              </a:ext>
+            </a:extLst>
+          </p:cNvPr>
+          <p:cNvPicPr>
+            <a:picLocks noChangeAspect="1"/>
+          </p:cNvPicPr>
+          <p:nvPr/>
+        </p:nvPicPr>
+        <p:blipFill>
+          <a:blip r:embed="rId2"/>
+          <a:stretch>
+            <a:fillRect/>
+          </a:stretch>
+        </p:blipFill>
+        <p:spPr>
+          <a:xfrm>
+            <a:off x="381877" y="741145"/>
+            <a:ext cx="5349198" cy="3575458"/>
+          </a:xfrm>
+          <a:prstGeom prst="rect">
+            <a:avLst/>
+          </a:prstGeom>
+        </p:spPr>
+      </p:pic>
+      <p:pic>
+        <p:nvPicPr>
+          <p:cNvPr id="7" name="図 6">
+            <a:extLst>
+              <a:ext uri="{FF2B5EF4-FFF2-40B4-BE49-F238E27FC236}">
+                <a16:creationId xmlns:a16="http://schemas.microsoft.com/office/drawing/2014/main" id="{9F012CB9-7020-1C5F-D7E7-90E1B350B6F8}"/>
+              </a:ext>
+            </a:extLst>
+          </p:cNvPr>
+          <p:cNvPicPr>
+            <a:picLocks noChangeAspect="1"/>
+          </p:cNvPicPr>
+          <p:nvPr/>
+        </p:nvPicPr>
+        <p:blipFill>
+          <a:blip r:embed="rId3"/>
+          <a:stretch>
+            <a:fillRect/>
+          </a:stretch>
+        </p:blipFill>
+        <p:spPr>
+          <a:xfrm>
+            <a:off x="6614928" y="741145"/>
+            <a:ext cx="5349199" cy="3575458"/>
+          </a:xfrm>
+          <a:prstGeom prst="rect">
+            <a:avLst/>
+          </a:prstGeom>
+        </p:spPr>
+      </p:pic>
+    </p:spTree>
+    <p:extLst>
+      <p:ext uri="{BB962C8B-B14F-4D97-AF65-F5344CB8AC3E}">
+        <p14:creationId xmlns:p14="http://schemas.microsoft.com/office/powerpoint/2010/main" val="3921043042"/>
+      </p:ext>
+    </p:extLst>
+  </p:cSld>
+  <p:clrMapOvr>
+    <a:masterClrMapping/>
+  </p:clrMapOvr>
+</p:sld>
+</file>
+
 <file path=ppt/theme/theme1.xml><?xml version="1.0" encoding="utf-8"?>
 <a:theme xmlns:a="http://schemas.openxmlformats.org/drawingml/2006/main" name="Office テーマ">
   <a:themeElements>
